--- a/präsentation 11.06/präsentation - 11.06.pptx
+++ b/präsentation 11.06/präsentation - 11.06.pptx
@@ -705,6 +705,806 @@
           <a:bodyPr/>
           <a:lstStyle/>
           <a:p>
+            <a:r>
+              <a:rPr lang="de-DE" dirty="0" err="1"/>
+              <a:t>Neural</a:t>
+            </a:r>
+            <a:r>
+              <a:rPr lang="de-DE" dirty="0"/>
+              <a:t> </a:t>
+            </a:r>
+            <a:r>
+              <a:rPr lang="de-DE" dirty="0" err="1"/>
+              <a:t>nets</a:t>
+            </a:r>
+            <a:r>
+              <a:rPr lang="de-DE" dirty="0"/>
+              <a:t>:</a:t>
+            </a:r>
+          </a:p>
+          <a:p>
+            <a:pPr marL="171450" indent="-171450">
+              <a:buFontTx/>
+              <a:buChar char="-"/>
+            </a:pPr>
+            <a:r>
+              <a:rPr lang="de-DE" dirty="0"/>
+              <a:t>Simple </a:t>
+            </a:r>
+            <a:r>
+              <a:rPr lang="de-DE" dirty="0" err="1"/>
+              <a:t>principle</a:t>
+            </a:r>
+            <a:r>
+              <a:rPr lang="de-DE" dirty="0"/>
+              <a:t>: </a:t>
+            </a:r>
+            <a:r>
+              <a:rPr lang="de-DE" dirty="0" err="1"/>
+              <a:t>neurons</a:t>
+            </a:r>
+            <a:r>
+              <a:rPr lang="de-DE" dirty="0"/>
+              <a:t> </a:t>
+            </a:r>
+            <a:r>
+              <a:rPr lang="de-DE" dirty="0" err="1"/>
+              <a:t>with</a:t>
+            </a:r>
+            <a:r>
+              <a:rPr lang="de-DE" dirty="0"/>
+              <a:t> </a:t>
+            </a:r>
+            <a:r>
+              <a:rPr lang="de-DE" dirty="0" err="1"/>
+              <a:t>weighted</a:t>
+            </a:r>
+            <a:r>
+              <a:rPr lang="de-DE" dirty="0"/>
+              <a:t> </a:t>
+            </a:r>
+            <a:r>
+              <a:rPr lang="de-DE" dirty="0" err="1"/>
+              <a:t>sum</a:t>
+            </a:r>
+            <a:r>
+              <a:rPr lang="de-DE" dirty="0"/>
+              <a:t> – </a:t>
+            </a:r>
+            <a:r>
+              <a:rPr lang="de-DE" dirty="0" err="1"/>
+              <a:t>bias</a:t>
+            </a:r>
+            <a:endParaRPr lang="de-DE" dirty="0"/>
+          </a:p>
+          <a:p>
+            <a:pPr marL="171450" indent="-171450">
+              <a:buFontTx/>
+              <a:buChar char="-"/>
+            </a:pPr>
+            <a:r>
+              <a:rPr lang="de-DE" dirty="0" err="1"/>
+              <a:t>Organized</a:t>
+            </a:r>
+            <a:r>
+              <a:rPr lang="de-DE" dirty="0"/>
+              <a:t> in </a:t>
+            </a:r>
+            <a:r>
+              <a:rPr lang="de-DE" dirty="0" err="1"/>
+              <a:t>layers</a:t>
+            </a:r>
+            <a:endParaRPr lang="de-DE" dirty="0"/>
+          </a:p>
+          <a:p>
+            <a:pPr marL="171450" indent="-171450">
+              <a:buFontTx/>
+              <a:buChar char="-"/>
+            </a:pPr>
+            <a:r>
+              <a:rPr lang="de-DE" dirty="0"/>
+              <a:t>Training = </a:t>
+            </a:r>
+            <a:r>
+              <a:rPr lang="de-DE" dirty="0" err="1"/>
+              <a:t>adjusting</a:t>
+            </a:r>
+            <a:r>
+              <a:rPr lang="de-DE" dirty="0"/>
+              <a:t> </a:t>
+            </a:r>
+            <a:r>
+              <a:rPr lang="de-DE" dirty="0" err="1"/>
+              <a:t>the</a:t>
+            </a:r>
+            <a:r>
+              <a:rPr lang="de-DE" dirty="0"/>
+              <a:t> </a:t>
+            </a:r>
+            <a:r>
+              <a:rPr lang="de-DE" dirty="0" err="1"/>
+              <a:t>weights</a:t>
+            </a:r>
+            <a:r>
+              <a:rPr lang="de-DE" dirty="0"/>
+              <a:t> and </a:t>
+            </a:r>
+            <a:r>
+              <a:rPr lang="de-DE" dirty="0" err="1"/>
+              <a:t>biases</a:t>
+            </a:r>
+            <a:endParaRPr lang="de-DE" dirty="0"/>
+          </a:p>
+          <a:p>
+            <a:pPr marL="0" indent="0">
+              <a:buFontTx/>
+              <a:buNone/>
+            </a:pPr>
+            <a:r>
+              <a:rPr lang="de-DE" dirty="0" err="1"/>
+              <a:t>Conv</a:t>
+            </a:r>
+            <a:r>
+              <a:rPr lang="de-DE" dirty="0"/>
+              <a:t>. NN:</a:t>
+            </a:r>
+          </a:p>
+          <a:p>
+            <a:pPr marL="171450" indent="-171450">
+              <a:buFontTx/>
+              <a:buChar char="-"/>
+            </a:pPr>
+            <a:r>
+              <a:rPr lang="de-DE" dirty="0"/>
+              <a:t>More </a:t>
+            </a:r>
+            <a:r>
+              <a:rPr lang="de-DE" dirty="0" err="1"/>
+              <a:t>than</a:t>
+            </a:r>
+            <a:r>
+              <a:rPr lang="de-DE" dirty="0"/>
+              <a:t> 1 </a:t>
+            </a:r>
+            <a:r>
+              <a:rPr lang="de-DE" dirty="0" err="1"/>
+              <a:t>hidden</a:t>
+            </a:r>
+            <a:r>
+              <a:rPr lang="de-DE" dirty="0"/>
+              <a:t> </a:t>
+            </a:r>
+            <a:r>
+              <a:rPr lang="de-DE" dirty="0" err="1"/>
+              <a:t>layer</a:t>
+            </a:r>
+            <a:endParaRPr lang="de-DE" dirty="0"/>
+          </a:p>
+          <a:p>
+            <a:pPr marL="171450" indent="-171450">
+              <a:buFontTx/>
+              <a:buChar char="-"/>
+            </a:pPr>
+            <a:r>
+              <a:rPr lang="de-DE" dirty="0"/>
+              <a:t>Different </a:t>
+            </a:r>
+            <a:r>
+              <a:rPr lang="de-DE" dirty="0" err="1"/>
+              <a:t>layer</a:t>
+            </a:r>
+            <a:r>
+              <a:rPr lang="de-DE" dirty="0"/>
+              <a:t> </a:t>
+            </a:r>
+            <a:r>
+              <a:rPr lang="de-DE" dirty="0" err="1"/>
+              <a:t>types</a:t>
+            </a:r>
+            <a:r>
+              <a:rPr lang="de-DE" dirty="0"/>
+              <a:t>:</a:t>
+            </a:r>
+          </a:p>
+          <a:p>
+            <a:pPr marL="628650" lvl="1" indent="-171450">
+              <a:buFontTx/>
+              <a:buChar char="-"/>
+            </a:pPr>
+            <a:r>
+              <a:rPr lang="de-DE" dirty="0"/>
+              <a:t>Fully-</a:t>
+            </a:r>
+            <a:r>
+              <a:rPr lang="de-DE" dirty="0" err="1"/>
+              <a:t>connected</a:t>
+            </a:r>
+            <a:endParaRPr lang="de-DE" dirty="0"/>
+          </a:p>
+          <a:p>
+            <a:pPr marL="628650" lvl="1" indent="-171450">
+              <a:buFontTx/>
+              <a:buChar char="-"/>
+            </a:pPr>
+            <a:r>
+              <a:rPr lang="de-DE" dirty="0" err="1"/>
+              <a:t>Convolution</a:t>
+            </a:r>
+            <a:r>
+              <a:rPr lang="de-DE" dirty="0"/>
+              <a:t>: feature </a:t>
+            </a:r>
+            <a:r>
+              <a:rPr lang="de-DE" dirty="0" err="1"/>
+              <a:t>detection</a:t>
+            </a:r>
+            <a:r>
+              <a:rPr lang="de-DE" dirty="0"/>
+              <a:t> </a:t>
+            </a:r>
+            <a:r>
+              <a:rPr lang="de-DE" dirty="0" err="1"/>
+              <a:t>considering</a:t>
+            </a:r>
+            <a:r>
+              <a:rPr lang="de-DE" dirty="0"/>
+              <a:t> </a:t>
+            </a:r>
+            <a:r>
+              <a:rPr lang="de-DE" dirty="0" err="1"/>
+              <a:t>scale</a:t>
+            </a:r>
+            <a:r>
+              <a:rPr lang="de-DE" dirty="0"/>
+              <a:t>, </a:t>
+            </a:r>
+            <a:r>
+              <a:rPr lang="de-DE" dirty="0" err="1"/>
+              <a:t>rotate</a:t>
+            </a:r>
+            <a:endParaRPr lang="de-DE" dirty="0"/>
+          </a:p>
+          <a:p>
+            <a:pPr marL="628650" lvl="1" indent="-171450">
+              <a:buFontTx/>
+              <a:buChar char="-"/>
+            </a:pPr>
+            <a:r>
+              <a:rPr lang="de-DE" dirty="0"/>
+              <a:t>Pooling: </a:t>
+            </a:r>
+            <a:r>
+              <a:rPr lang="de-DE" dirty="0" err="1"/>
+              <a:t>reduction</a:t>
+            </a:r>
+            <a:r>
+              <a:rPr lang="de-DE" dirty="0"/>
+              <a:t> of </a:t>
+            </a:r>
+            <a:r>
+              <a:rPr lang="de-DE" dirty="0" err="1"/>
+              <a:t>input</a:t>
+            </a:r>
+            <a:endParaRPr lang="de-DE" dirty="0"/>
+          </a:p>
+          <a:p>
+            <a:pPr marL="628650" lvl="1" indent="-171450">
+              <a:buFontTx/>
+              <a:buChar char="-"/>
+            </a:pPr>
+            <a:r>
+              <a:rPr lang="de-DE" dirty="0" err="1"/>
+              <a:t>ReLU</a:t>
+            </a:r>
+            <a:r>
+              <a:rPr lang="de-DE" dirty="0"/>
+              <a:t>: </a:t>
+            </a:r>
+            <a:r>
+              <a:rPr lang="de-DE" dirty="0" err="1"/>
+              <a:t>mathmatical</a:t>
+            </a:r>
+            <a:r>
+              <a:rPr lang="de-DE" dirty="0"/>
+              <a:t> </a:t>
+            </a:r>
+            <a:r>
+              <a:rPr lang="de-DE" dirty="0" err="1"/>
+              <a:t>normalization</a:t>
+            </a:r>
+            <a:endParaRPr lang="de-DE" dirty="0"/>
+          </a:p>
+          <a:p>
+            <a:pPr marL="0" lvl="0" indent="0">
+              <a:buFontTx/>
+              <a:buNone/>
+            </a:pPr>
+            <a:r>
+              <a:rPr lang="de-DE" dirty="0" err="1"/>
+              <a:t>AlexNet</a:t>
+            </a:r>
+            <a:r>
+              <a:rPr lang="de-DE" dirty="0"/>
+              <a:t>:</a:t>
+            </a:r>
+            <a:br>
+              <a:rPr lang="de-DE" dirty="0"/>
+            </a:br>
+            <a:r>
+              <a:rPr lang="de-DE" dirty="0" err="1"/>
+              <a:t>used</a:t>
+            </a:r>
+            <a:r>
+              <a:rPr lang="de-DE" dirty="0"/>
+              <a:t> in </a:t>
+            </a:r>
+            <a:r>
+              <a:rPr lang="de-DE" dirty="0" err="1"/>
+              <a:t>the</a:t>
+            </a:r>
+            <a:r>
+              <a:rPr lang="de-DE" dirty="0"/>
+              <a:t> </a:t>
+            </a:r>
+            <a:r>
+              <a:rPr lang="de-DE" dirty="0" err="1"/>
+              <a:t>approaches</a:t>
+            </a:r>
+            <a:r>
+              <a:rPr lang="de-DE" dirty="0"/>
+              <a:t> </a:t>
+            </a:r>
+            <a:r>
+              <a:rPr lang="de-DE" dirty="0" err="1"/>
+              <a:t>given</a:t>
+            </a:r>
+            <a:endParaRPr lang="en-US" dirty="0"/>
+          </a:p>
+        </p:txBody>
+      </p:sp>
+      <p:sp>
+        <p:nvSpPr>
+          <p:cNvPr id="4" name="Foliennummernplatzhalter 3"/>
+          <p:cNvSpPr>
+            <a:spLocks noGrp="1"/>
+          </p:cNvSpPr>
+          <p:nvPr>
+            <p:ph type="sldNum" sz="quarter" idx="10"/>
+          </p:nvPr>
+        </p:nvSpPr>
+        <p:spPr/>
+        <p:txBody>
+          <a:bodyPr/>
+          <a:lstStyle/>
+          <a:p>
+            <a:fld id="{09AD7685-D59B-48F2-A245-3518E882B901}" type="slidenum">
+              <a:rPr lang="de-DE" altLang="de-DE" smtClean="0"/>
+              <a:pPr/>
+              <a:t>3</a:t>
+            </a:fld>
+            <a:endParaRPr lang="de-DE" altLang="de-DE"/>
+          </a:p>
+        </p:txBody>
+      </p:sp>
+    </p:spTree>
+    <p:extLst>
+      <p:ext uri="{BB962C8B-B14F-4D97-AF65-F5344CB8AC3E}">
+        <p14:creationId xmlns:p14="http://schemas.microsoft.com/office/powerpoint/2010/main" val="1379821797"/>
+      </p:ext>
+    </p:extLst>
+  </p:cSld>
+  <p:clrMapOvr>
+    <a:masterClrMapping/>
+  </p:clrMapOvr>
+</p:notes>
+</file>
+
+<file path=ppt/notesSlides/notesSlide2.xml><?xml version="1.0" encoding="utf-8"?>
+<p:notes xmlns:a="http://schemas.openxmlformats.org/drawingml/2006/main" xmlns:r="http://schemas.openxmlformats.org/officeDocument/2006/relationships" xmlns:p="http://schemas.openxmlformats.org/presentationml/2006/main">
+  <p:cSld>
+    <p:spTree>
+      <p:nvGrpSpPr>
+        <p:cNvPr id="1" name=""/>
+        <p:cNvGrpSpPr/>
+        <p:nvPr/>
+      </p:nvGrpSpPr>
+      <p:grpSpPr>
+        <a:xfrm>
+          <a:off x="0" y="0"/>
+          <a:ext cx="0" cy="0"/>
+          <a:chOff x="0" y="0"/>
+          <a:chExt cx="0" cy="0"/>
+        </a:xfrm>
+      </p:grpSpPr>
+      <p:sp>
+        <p:nvSpPr>
+          <p:cNvPr id="2" name="Folienbildplatzhalter 1"/>
+          <p:cNvSpPr>
+            <a:spLocks noGrp="1" noRot="1" noChangeAspect="1"/>
+          </p:cNvSpPr>
+          <p:nvPr>
+            <p:ph type="sldImg"/>
+          </p:nvPr>
+        </p:nvSpPr>
+        <p:spPr/>
+      </p:sp>
+      <p:sp>
+        <p:nvSpPr>
+          <p:cNvPr id="3" name="Notizenplatzhalter 2"/>
+          <p:cNvSpPr>
+            <a:spLocks noGrp="1"/>
+          </p:cNvSpPr>
+          <p:nvPr>
+            <p:ph type="body" idx="1"/>
+          </p:nvPr>
+        </p:nvSpPr>
+        <p:spPr/>
+        <p:txBody>
+          <a:bodyPr/>
+          <a:lstStyle/>
+          <a:p>
+            <a:r>
+              <a:rPr lang="de-DE" dirty="0" err="1"/>
+              <a:t>Mediated</a:t>
+            </a:r>
+            <a:r>
+              <a:rPr lang="de-DE" dirty="0"/>
+              <a:t> </a:t>
+            </a:r>
+            <a:r>
+              <a:rPr lang="de-DE" dirty="0" err="1"/>
+              <a:t>perception</a:t>
+            </a:r>
+            <a:r>
+              <a:rPr lang="de-DE" dirty="0"/>
+              <a:t>:</a:t>
+            </a:r>
+          </a:p>
+          <a:p>
+            <a:pPr marL="171450" indent="-171450">
+              <a:buFontTx/>
+              <a:buChar char="-"/>
+            </a:pPr>
+            <a:r>
+              <a:rPr lang="de-DE" dirty="0" err="1"/>
+              <a:t>Mutli</a:t>
+            </a:r>
+            <a:r>
+              <a:rPr lang="de-DE" dirty="0"/>
+              <a:t> </a:t>
+            </a:r>
+            <a:r>
+              <a:rPr lang="de-DE" dirty="0" err="1"/>
+              <a:t>component</a:t>
+            </a:r>
+            <a:r>
+              <a:rPr lang="de-DE" dirty="0"/>
+              <a:t> </a:t>
+            </a:r>
+            <a:r>
+              <a:rPr lang="de-DE" dirty="0" err="1"/>
+              <a:t>complex</a:t>
+            </a:r>
+            <a:r>
+              <a:rPr lang="de-DE" dirty="0"/>
+              <a:t> </a:t>
+            </a:r>
+            <a:r>
+              <a:rPr lang="de-DE" dirty="0" err="1"/>
+              <a:t>system</a:t>
+            </a:r>
+            <a:endParaRPr lang="de-DE" dirty="0"/>
+          </a:p>
+          <a:p>
+            <a:pPr marL="171450" indent="-171450">
+              <a:buFontTx/>
+              <a:buChar char="-"/>
+            </a:pPr>
+            <a:r>
+              <a:rPr lang="de-DE" dirty="0"/>
+              <a:t>Internal 3D </a:t>
+            </a:r>
+            <a:r>
+              <a:rPr lang="de-DE" dirty="0" err="1"/>
+              <a:t>model</a:t>
+            </a:r>
+            <a:endParaRPr lang="de-DE" dirty="0"/>
+          </a:p>
+          <a:p>
+            <a:pPr marL="171450" indent="-171450">
+              <a:buFontTx/>
+              <a:buChar char="-"/>
+            </a:pPr>
+            <a:r>
+              <a:rPr lang="de-DE" dirty="0"/>
+              <a:t>Problems </a:t>
+            </a:r>
+            <a:r>
+              <a:rPr lang="de-DE" dirty="0" err="1"/>
+              <a:t>as</a:t>
+            </a:r>
+            <a:r>
+              <a:rPr lang="de-DE" dirty="0"/>
+              <a:t> </a:t>
+            </a:r>
+            <a:r>
+              <a:rPr lang="de-DE" dirty="0" err="1"/>
+              <a:t>given</a:t>
+            </a:r>
+            <a:endParaRPr lang="de-DE" dirty="0"/>
+          </a:p>
+          <a:p>
+            <a:pPr marL="171450" indent="-171450">
+              <a:buFontTx/>
+              <a:buChar char="-"/>
+            </a:pPr>
+            <a:endParaRPr lang="de-DE" dirty="0"/>
+          </a:p>
+          <a:p>
+            <a:pPr marL="0" indent="0">
+              <a:buFontTx/>
+              <a:buNone/>
+            </a:pPr>
+            <a:r>
+              <a:rPr lang="de-DE" dirty="0"/>
+              <a:t>=&gt; </a:t>
+            </a:r>
+            <a:r>
+              <a:rPr lang="de-DE" dirty="0" err="1"/>
+              <a:t>Reasonable</a:t>
+            </a:r>
+            <a:r>
+              <a:rPr lang="de-DE" dirty="0"/>
+              <a:t> and </a:t>
+            </a:r>
+            <a:r>
+              <a:rPr lang="de-DE" dirty="0" err="1"/>
+              <a:t>sturdy</a:t>
+            </a:r>
+            <a:r>
+              <a:rPr lang="de-DE" dirty="0"/>
+              <a:t> </a:t>
+            </a:r>
+            <a:r>
+              <a:rPr lang="de-DE" dirty="0" err="1"/>
+              <a:t>approach</a:t>
+            </a:r>
+            <a:r>
+              <a:rPr lang="de-DE" dirty="0"/>
+              <a:t> but </a:t>
+            </a:r>
+            <a:r>
+              <a:rPr lang="de-DE" dirty="0" err="1"/>
+              <a:t>lacks</a:t>
+            </a:r>
+            <a:r>
+              <a:rPr lang="de-DE" dirty="0"/>
+              <a:t> flex. and </a:t>
+            </a:r>
+            <a:r>
+              <a:rPr lang="de-DE" dirty="0" err="1"/>
+              <a:t>efficiency</a:t>
+            </a:r>
+            <a:endParaRPr lang="en-US" dirty="0"/>
+          </a:p>
+        </p:txBody>
+      </p:sp>
+      <p:sp>
+        <p:nvSpPr>
+          <p:cNvPr id="4" name="Foliennummernplatzhalter 3"/>
+          <p:cNvSpPr>
+            <a:spLocks noGrp="1"/>
+          </p:cNvSpPr>
+          <p:nvPr>
+            <p:ph type="sldNum" sz="quarter" idx="10"/>
+          </p:nvPr>
+        </p:nvSpPr>
+        <p:spPr/>
+        <p:txBody>
+          <a:bodyPr/>
+          <a:lstStyle/>
+          <a:p>
+            <a:fld id="{09AD7685-D59B-48F2-A245-3518E882B901}" type="slidenum">
+              <a:rPr lang="de-DE" altLang="de-DE" smtClean="0"/>
+              <a:pPr/>
+              <a:t>5</a:t>
+            </a:fld>
+            <a:endParaRPr lang="de-DE" altLang="de-DE"/>
+          </a:p>
+        </p:txBody>
+      </p:sp>
+    </p:spTree>
+    <p:extLst>
+      <p:ext uri="{BB962C8B-B14F-4D97-AF65-F5344CB8AC3E}">
+        <p14:creationId xmlns:p14="http://schemas.microsoft.com/office/powerpoint/2010/main" val="3584190729"/>
+      </p:ext>
+    </p:extLst>
+  </p:cSld>
+  <p:clrMapOvr>
+    <a:masterClrMapping/>
+  </p:clrMapOvr>
+</p:notes>
+</file>
+
+<file path=ppt/notesSlides/notesSlide3.xml><?xml version="1.0" encoding="utf-8"?>
+<p:notes xmlns:a="http://schemas.openxmlformats.org/drawingml/2006/main" xmlns:r="http://schemas.openxmlformats.org/officeDocument/2006/relationships" xmlns:p="http://schemas.openxmlformats.org/presentationml/2006/main">
+  <p:cSld>
+    <p:spTree>
+      <p:nvGrpSpPr>
+        <p:cNvPr id="1" name=""/>
+        <p:cNvGrpSpPr/>
+        <p:nvPr/>
+      </p:nvGrpSpPr>
+      <p:grpSpPr>
+        <a:xfrm>
+          <a:off x="0" y="0"/>
+          <a:ext cx="0" cy="0"/>
+          <a:chOff x="0" y="0"/>
+          <a:chExt cx="0" cy="0"/>
+        </a:xfrm>
+      </p:grpSpPr>
+      <p:sp>
+        <p:nvSpPr>
+          <p:cNvPr id="2" name="Folienbildplatzhalter 1"/>
+          <p:cNvSpPr>
+            <a:spLocks noGrp="1" noRot="1" noChangeAspect="1"/>
+          </p:cNvSpPr>
+          <p:nvPr>
+            <p:ph type="sldImg"/>
+          </p:nvPr>
+        </p:nvSpPr>
+        <p:spPr/>
+      </p:sp>
+      <p:sp>
+        <p:nvSpPr>
+          <p:cNvPr id="3" name="Notizenplatzhalter 2"/>
+          <p:cNvSpPr>
+            <a:spLocks noGrp="1"/>
+          </p:cNvSpPr>
+          <p:nvPr>
+            <p:ph type="body" idx="1"/>
+          </p:nvPr>
+        </p:nvSpPr>
+        <p:spPr/>
+        <p:txBody>
+          <a:bodyPr/>
+          <a:lstStyle/>
+          <a:p>
+            <a:r>
+              <a:rPr lang="de-DE" dirty="0" err="1"/>
+              <a:t>Behavior</a:t>
+            </a:r>
+            <a:r>
+              <a:rPr lang="de-DE" dirty="0"/>
+              <a:t> </a:t>
+            </a:r>
+            <a:r>
+              <a:rPr lang="de-DE" dirty="0" err="1"/>
+              <a:t>reflex</a:t>
+            </a:r>
+            <a:r>
+              <a:rPr lang="de-DE" dirty="0"/>
+              <a:t>:</a:t>
+            </a:r>
+          </a:p>
+          <a:p>
+            <a:r>
+              <a:rPr lang="de-DE" dirty="0" err="1"/>
+              <a:t>Map</a:t>
+            </a:r>
+            <a:r>
+              <a:rPr lang="de-DE" dirty="0"/>
+              <a:t> </a:t>
+            </a:r>
+            <a:r>
+              <a:rPr lang="de-DE" dirty="0" err="1"/>
+              <a:t>input</a:t>
+            </a:r>
+            <a:r>
+              <a:rPr lang="de-DE" dirty="0"/>
+              <a:t> </a:t>
+            </a:r>
+            <a:r>
+              <a:rPr lang="de-DE" dirty="0" err="1"/>
+              <a:t>to</a:t>
+            </a:r>
+            <a:r>
+              <a:rPr lang="de-DE" dirty="0"/>
+              <a:t> angle</a:t>
+            </a:r>
+          </a:p>
+          <a:p>
+            <a:endParaRPr lang="de-DE" dirty="0"/>
+          </a:p>
+          <a:p>
+            <a:endParaRPr lang="de-DE" dirty="0"/>
+          </a:p>
+          <a:p>
+            <a:endParaRPr lang="en-US" dirty="0"/>
+          </a:p>
+        </p:txBody>
+      </p:sp>
+      <p:sp>
+        <p:nvSpPr>
+          <p:cNvPr id="4" name="Foliennummernplatzhalter 3"/>
+          <p:cNvSpPr>
+            <a:spLocks noGrp="1"/>
+          </p:cNvSpPr>
+          <p:nvPr>
+            <p:ph type="sldNum" sz="quarter" idx="10"/>
+          </p:nvPr>
+        </p:nvSpPr>
+        <p:spPr/>
+        <p:txBody>
+          <a:bodyPr/>
+          <a:lstStyle/>
+          <a:p>
+            <a:fld id="{09AD7685-D59B-48F2-A245-3518E882B901}" type="slidenum">
+              <a:rPr lang="de-DE" altLang="de-DE" smtClean="0"/>
+              <a:pPr/>
+              <a:t>6</a:t>
+            </a:fld>
+            <a:endParaRPr lang="de-DE" altLang="de-DE"/>
+          </a:p>
+        </p:txBody>
+      </p:sp>
+    </p:spTree>
+    <p:extLst>
+      <p:ext uri="{BB962C8B-B14F-4D97-AF65-F5344CB8AC3E}">
+        <p14:creationId xmlns:p14="http://schemas.microsoft.com/office/powerpoint/2010/main" val="3370343504"/>
+      </p:ext>
+    </p:extLst>
+  </p:cSld>
+  <p:clrMapOvr>
+    <a:masterClrMapping/>
+  </p:clrMapOvr>
+</p:notes>
+</file>
+
+<file path=ppt/notesSlides/notesSlide4.xml><?xml version="1.0" encoding="utf-8"?>
+<p:notes xmlns:a="http://schemas.openxmlformats.org/drawingml/2006/main" xmlns:r="http://schemas.openxmlformats.org/officeDocument/2006/relationships" xmlns:p="http://schemas.openxmlformats.org/presentationml/2006/main">
+  <p:cSld>
+    <p:spTree>
+      <p:nvGrpSpPr>
+        <p:cNvPr id="1" name=""/>
+        <p:cNvGrpSpPr/>
+        <p:nvPr/>
+      </p:nvGrpSpPr>
+      <p:grpSpPr>
+        <a:xfrm>
+          <a:off x="0" y="0"/>
+          <a:ext cx="0" cy="0"/>
+          <a:chOff x="0" y="0"/>
+          <a:chExt cx="0" cy="0"/>
+        </a:xfrm>
+      </p:grpSpPr>
+      <p:sp>
+        <p:nvSpPr>
+          <p:cNvPr id="2" name="Folienbildplatzhalter 1"/>
+          <p:cNvSpPr>
+            <a:spLocks noGrp="1" noRot="1" noChangeAspect="1"/>
+          </p:cNvSpPr>
+          <p:nvPr>
+            <p:ph type="sldImg"/>
+          </p:nvPr>
+        </p:nvSpPr>
+        <p:spPr/>
+      </p:sp>
+      <p:sp>
+        <p:nvSpPr>
+          <p:cNvPr id="3" name="Notizenplatzhalter 2"/>
+          <p:cNvSpPr>
+            <a:spLocks noGrp="1"/>
+          </p:cNvSpPr>
+          <p:nvPr>
+            <p:ph type="body" idx="1"/>
+          </p:nvPr>
+        </p:nvSpPr>
+        <p:spPr/>
+        <p:txBody>
+          <a:bodyPr/>
+          <a:lstStyle/>
+          <a:p>
             <a:endParaRPr lang="en-US" dirty="0"/>
           </a:p>
         </p:txBody>
@@ -746,7 +1546,7 @@
 </p:notes>
 </file>
 
-<file path=ppt/notesSlides/notesSlide2.xml><?xml version="1.0" encoding="utf-8"?>
+<file path=ppt/notesSlides/notesSlide5.xml><?xml version="1.0" encoding="utf-8"?>
 <p:notes xmlns:a="http://schemas.openxmlformats.org/drawingml/2006/main" xmlns:r="http://schemas.openxmlformats.org/officeDocument/2006/relationships" xmlns:p="http://schemas.openxmlformats.org/presentationml/2006/main">
   <p:cSld>
     <p:spTree>
@@ -9444,15 +10244,6 @@
               </a:lnSpc>
               <a:buNone/>
             </a:pPr>
-            <a:endParaRPr lang="en-US" altLang="en-US" u="sng" kern="0" dirty="0"/>
-          </a:p>
-          <a:p>
-            <a:pPr marL="457200" lvl="1" indent="0" eaLnBrk="1" hangingPunct="1">
-              <a:lnSpc>
-                <a:spcPct val="90000"/>
-              </a:lnSpc>
-              <a:buNone/>
-            </a:pPr>
             <a:r>
               <a:rPr lang="en-US" altLang="en-US" u="sng" kern="0" dirty="0" err="1"/>
               <a:t>CNNArchLang</a:t>
@@ -9460,17 +10251,6 @@
             <a:r>
               <a:rPr lang="en-US" altLang="en-US" kern="0" dirty="0"/>
               <a:t>:</a:t>
-            </a:r>
-          </a:p>
-          <a:p>
-            <a:pPr lvl="1" eaLnBrk="1" hangingPunct="1">
-              <a:lnSpc>
-                <a:spcPct val="90000"/>
-              </a:lnSpc>
-            </a:pPr>
-            <a:r>
-              <a:rPr lang="en-US" altLang="en-US" kern="0" dirty="0"/>
-              <a:t>specialized on CNNs</a:t>
             </a:r>
           </a:p>
           <a:p>
@@ -9489,7 +10269,14 @@
             </a:r>
             <a:r>
               <a:rPr lang="en-US" altLang="en-US" kern="0" dirty="0"/>
-              <a:t> language family</a:t>
+              <a:t> </a:t>
+            </a:r>
+            <a:br>
+              <a:rPr lang="en-US" altLang="en-US" kern="0" dirty="0"/>
+            </a:br>
+            <a:r>
+              <a:rPr lang="en-US" altLang="en-US" kern="0" dirty="0"/>
+              <a:t>language family</a:t>
             </a:r>
           </a:p>
           <a:p>
@@ -9517,6 +10304,10 @@
                 <a:spcPct val="90000"/>
               </a:lnSpc>
             </a:pPr>
+            <a:r>
+              <a:rPr lang="de-DE" altLang="en-US" kern="0" dirty="0"/>
+              <a:t>Python like Syntax</a:t>
+            </a:r>
             <a:endParaRPr lang="en-US" altLang="en-US" kern="0" dirty="0"/>
           </a:p>
           <a:p>
@@ -9551,7 +10342,14 @@
             </a:pPr>
             <a:r>
               <a:rPr lang="en-US" altLang="en-US" kern="0" dirty="0"/>
-              <a:t>specialized on modularity, speed and expressiveness</a:t>
+              <a:t>specialized on modularity, </a:t>
+            </a:r>
+            <a:br>
+              <a:rPr lang="en-US" altLang="en-US" kern="0" dirty="0"/>
+            </a:br>
+            <a:r>
+              <a:rPr lang="en-US" altLang="en-US" kern="0" dirty="0"/>
+              <a:t>speed and expressiveness</a:t>
             </a:r>
           </a:p>
           <a:p>
@@ -9565,8 +10363,229 @@
               <a:t>huge community</a:t>
             </a:r>
           </a:p>
+          <a:p>
+            <a:pPr lvl="1" eaLnBrk="1" hangingPunct="1">
+              <a:lnSpc>
+                <a:spcPct val="90000"/>
+              </a:lnSpc>
+            </a:pPr>
+            <a:r>
+              <a:rPr lang="de-DE" altLang="en-US" kern="0" dirty="0" err="1"/>
+              <a:t>very</a:t>
+            </a:r>
+            <a:r>
+              <a:rPr lang="de-DE" altLang="en-US" kern="0" dirty="0"/>
+              <a:t> verbose </a:t>
+            </a:r>
+            <a:r>
+              <a:rPr lang="de-DE" altLang="en-US" kern="0" dirty="0" err="1"/>
+              <a:t>through</a:t>
+            </a:r>
+            <a:r>
+              <a:rPr lang="de-DE" altLang="en-US" kern="0" dirty="0"/>
+              <a:t> </a:t>
+            </a:r>
+            <a:br>
+              <a:rPr lang="de-DE" altLang="en-US" kern="0" dirty="0"/>
+            </a:br>
+            <a:r>
+              <a:rPr lang="de-DE" altLang="en-US" kern="0" dirty="0"/>
+              <a:t>Protocol Buffers</a:t>
+            </a:r>
+            <a:endParaRPr lang="en-US" altLang="en-US" kern="0" dirty="0"/>
+          </a:p>
         </p:txBody>
       </p:sp>
+      <p:pic>
+        <p:nvPicPr>
+          <p:cNvPr id="8" name="Grafik 7">
+            <a:extLst>
+              <a:ext uri="{FF2B5EF4-FFF2-40B4-BE49-F238E27FC236}">
+                <a16:creationId xmlns:a16="http://schemas.microsoft.com/office/drawing/2014/main" id="{75233CAC-8C13-41E3-93FD-F4BA920B869E}"/>
+              </a:ext>
+            </a:extLst>
+          </p:cNvPr>
+          <p:cNvPicPr>
+            <a:picLocks noChangeAspect="1"/>
+          </p:cNvPicPr>
+          <p:nvPr/>
+        </p:nvPicPr>
+        <p:blipFill>
+          <a:blip r:embed="rId2"/>
+          <a:stretch>
+            <a:fillRect/>
+          </a:stretch>
+        </p:blipFill>
+        <p:spPr>
+          <a:xfrm>
+            <a:off x="5200650" y="4229100"/>
+            <a:ext cx="1476375" cy="2400300"/>
+          </a:xfrm>
+          <a:prstGeom prst="rect">
+            <a:avLst/>
+          </a:prstGeom>
+        </p:spPr>
+      </p:pic>
+      <p:pic>
+        <p:nvPicPr>
+          <p:cNvPr id="6" name="Grafik 5">
+            <a:extLst>
+              <a:ext uri="{FF2B5EF4-FFF2-40B4-BE49-F238E27FC236}">
+                <a16:creationId xmlns:a16="http://schemas.microsoft.com/office/drawing/2014/main" id="{AE7B8FB0-B39B-4D53-B203-B1C3628DE6A1}"/>
+              </a:ext>
+            </a:extLst>
+          </p:cNvPr>
+          <p:cNvPicPr>
+            <a:picLocks noChangeAspect="1"/>
+          </p:cNvPicPr>
+          <p:nvPr/>
+        </p:nvPicPr>
+        <p:blipFill>
+          <a:blip r:embed="rId3"/>
+          <a:stretch>
+            <a:fillRect/>
+          </a:stretch>
+        </p:blipFill>
+        <p:spPr>
+          <a:xfrm>
+            <a:off x="5200650" y="1828800"/>
+            <a:ext cx="3790950" cy="2019300"/>
+          </a:xfrm>
+          <a:prstGeom prst="rect">
+            <a:avLst/>
+          </a:prstGeom>
+        </p:spPr>
+      </p:pic>
+      <p:grpSp>
+        <p:nvGrpSpPr>
+          <p:cNvPr id="18" name="Gruppieren 17">
+            <a:extLst>
+              <a:ext uri="{FF2B5EF4-FFF2-40B4-BE49-F238E27FC236}">
+                <a16:creationId xmlns:a16="http://schemas.microsoft.com/office/drawing/2014/main" id="{1C4958DB-8D1D-467A-B5B4-530C65B6ECB9}"/>
+              </a:ext>
+            </a:extLst>
+          </p:cNvPr>
+          <p:cNvGrpSpPr/>
+          <p:nvPr/>
+        </p:nvGrpSpPr>
+        <p:grpSpPr>
+          <a:xfrm>
+            <a:off x="5200650" y="2655041"/>
+            <a:ext cx="3318867" cy="3498109"/>
+            <a:chOff x="4788024" y="2564904"/>
+            <a:chExt cx="3318867" cy="3498109"/>
+          </a:xfrm>
+        </p:grpSpPr>
+        <p:pic>
+          <p:nvPicPr>
+            <p:cNvPr id="10" name="Grafik 9">
+              <a:extLst>
+                <a:ext uri="{FF2B5EF4-FFF2-40B4-BE49-F238E27FC236}">
+                  <a16:creationId xmlns:a16="http://schemas.microsoft.com/office/drawing/2014/main" id="{6D495646-40F1-4F05-A294-DDE1FA01E05F}"/>
+                </a:ext>
+              </a:extLst>
+            </p:cNvPr>
+            <p:cNvPicPr>
+              <a:picLocks noChangeAspect="1"/>
+            </p:cNvPicPr>
+            <p:nvPr/>
+          </p:nvPicPr>
+          <p:blipFill>
+            <a:blip r:embed="rId4"/>
+            <a:stretch>
+              <a:fillRect/>
+            </a:stretch>
+          </p:blipFill>
+          <p:spPr>
+            <a:xfrm>
+              <a:off x="6516216" y="4138963"/>
+              <a:ext cx="1590675" cy="1924050"/>
+            </a:xfrm>
+            <a:prstGeom prst="rect">
+              <a:avLst/>
+            </a:prstGeom>
+            <a:ln>
+              <a:solidFill>
+                <a:srgbClr val="FF0000"/>
+              </a:solidFill>
+            </a:ln>
+          </p:spPr>
+        </p:pic>
+        <p:cxnSp>
+          <p:nvCxnSpPr>
+            <p:cNvPr id="12" name="Gerader Verbinder 11">
+              <a:extLst>
+                <a:ext uri="{FF2B5EF4-FFF2-40B4-BE49-F238E27FC236}">
+                  <a16:creationId xmlns:a16="http://schemas.microsoft.com/office/drawing/2014/main" id="{10E249A5-F65C-47AE-A5DE-A75C4D66375F}"/>
+                </a:ext>
+              </a:extLst>
+            </p:cNvPr>
+            <p:cNvCxnSpPr>
+              <a:cxnSpLocks/>
+            </p:cNvCxnSpPr>
+            <p:nvPr/>
+          </p:nvCxnSpPr>
+          <p:spPr bwMode="auto">
+            <a:xfrm>
+              <a:off x="4788024" y="2564904"/>
+              <a:ext cx="3168352" cy="0"/>
+            </a:xfrm>
+            <a:prstGeom prst="line">
+              <a:avLst/>
+            </a:prstGeom>
+            <a:solidFill>
+              <a:srgbClr val="FFFFFF"/>
+            </a:solidFill>
+            <a:ln w="19050" cap="flat" cmpd="sng" algn="ctr">
+              <a:solidFill>
+                <a:srgbClr val="FF0000"/>
+              </a:solidFill>
+              <a:prstDash val="solid"/>
+              <a:round/>
+              <a:headEnd type="none" w="med" len="med"/>
+              <a:tailEnd type="none" w="med" len="med"/>
+            </a:ln>
+            <a:effectLst/>
+          </p:spPr>
+        </p:cxnSp>
+        <p:cxnSp>
+          <p:nvCxnSpPr>
+            <p:cNvPr id="14" name="Gerader Verbinder 13">
+              <a:extLst>
+                <a:ext uri="{FF2B5EF4-FFF2-40B4-BE49-F238E27FC236}">
+                  <a16:creationId xmlns:a16="http://schemas.microsoft.com/office/drawing/2014/main" id="{6F1C7160-7323-4F60-AD1D-03EFDA955406}"/>
+                </a:ext>
+              </a:extLst>
+            </p:cNvPr>
+            <p:cNvCxnSpPr>
+              <a:cxnSpLocks/>
+            </p:cNvCxnSpPr>
+            <p:nvPr/>
+          </p:nvCxnSpPr>
+          <p:spPr bwMode="auto">
+            <a:xfrm>
+              <a:off x="5138497" y="2748313"/>
+              <a:ext cx="2673863" cy="0"/>
+            </a:xfrm>
+            <a:prstGeom prst="line">
+              <a:avLst/>
+            </a:prstGeom>
+            <a:solidFill>
+              <a:srgbClr val="FFFFFF"/>
+            </a:solidFill>
+            <a:ln w="19050" cap="flat" cmpd="sng" algn="ctr">
+              <a:solidFill>
+                <a:srgbClr val="FF0000"/>
+              </a:solidFill>
+              <a:prstDash val="solid"/>
+              <a:round/>
+              <a:headEnd type="none" w="med" len="med"/>
+              <a:tailEnd type="none" w="med" len="med"/>
+            </a:ln>
+            <a:effectLst/>
+          </p:spPr>
+        </p:cxnSp>
+      </p:grpSp>
     </p:spTree>
     <p:extLst>
       <p:ext uri="{BB962C8B-B14F-4D97-AF65-F5344CB8AC3E}">
@@ -9647,7 +10666,7 @@
                                         <p:tgtEl>
                                           <p:spTgt spid="4">
                                             <p:txEl>
-                                              <p:pRg st="3" end="3"/>
+                                              <p:pRg st="2" end="2"/>
                                             </p:txEl>
                                           </p:spTgt>
                                         </p:tgtEl>
@@ -9678,7 +10697,7 @@
                                         <p:tgtEl>
                                           <p:spTgt spid="4">
                                             <p:txEl>
-                                              <p:pRg st="4" end="4"/>
+                                              <p:pRg st="3" end="3"/>
                                             </p:txEl>
                                           </p:spTgt>
                                         </p:tgtEl>
@@ -9709,7 +10728,7 @@
                                         <p:tgtEl>
                                           <p:spTgt spid="4">
                                             <p:txEl>
-                                              <p:pRg st="5" end="5"/>
+                                              <p:pRg st="4" end="4"/>
                                             </p:txEl>
                                           </p:spTgt>
                                         </p:tgtEl>
@@ -9740,9 +10759,36 @@
                                         <p:tgtEl>
                                           <p:spTgt spid="4">
                                             <p:txEl>
-                                              <p:pRg st="6" end="6"/>
+                                              <p:pRg st="5" end="5"/>
                                             </p:txEl>
                                           </p:spTgt>
+                                        </p:tgtEl>
+                                        <p:attrNameLst>
+                                          <p:attrName>style.visibility</p:attrName>
+                                        </p:attrNameLst>
+                                      </p:cBhvr>
+                                      <p:to>
+                                        <p:strVal val="visible"/>
+                                      </p:to>
+                                    </p:set>
+                                  </p:childTnLst>
+                                </p:cTn>
+                              </p:par>
+                              <p:par>
+                                <p:cTn id="15" presetID="1" presetClass="entr" presetSubtype="0" fill="hold" nodeType="withEffect">
+                                  <p:stCondLst>
+                                    <p:cond delay="0"/>
+                                  </p:stCondLst>
+                                  <p:childTnLst>
+                                    <p:set>
+                                      <p:cBhvr>
+                                        <p:cTn id="16" dur="1" fill="hold">
+                                          <p:stCondLst>
+                                            <p:cond delay="0"/>
+                                          </p:stCondLst>
+                                        </p:cTn>
+                                        <p:tgtEl>
+                                          <p:spTgt spid="6"/>
                                         </p:tgtEl>
                                         <p:attrNameLst>
                                           <p:attrName>style.visibility</p:attrName>
@@ -9762,50 +10808,19 @@
                     </p:cTn>
                   </p:par>
                   <p:par>
-                    <p:cTn id="15" fill="hold">
+                    <p:cTn id="17" fill="hold">
                       <p:stCondLst>
                         <p:cond delay="indefinite"/>
                       </p:stCondLst>
                       <p:childTnLst>
                         <p:par>
-                          <p:cTn id="16" fill="hold">
+                          <p:cTn id="18" fill="hold">
                             <p:stCondLst>
                               <p:cond delay="0"/>
                             </p:stCondLst>
                             <p:childTnLst>
                               <p:par>
-                                <p:cTn id="17" presetID="1" presetClass="entr" presetSubtype="0" fill="hold" nodeType="clickEffect">
-                                  <p:stCondLst>
-                                    <p:cond delay="0"/>
-                                  </p:stCondLst>
-                                  <p:childTnLst>
-                                    <p:set>
-                                      <p:cBhvr>
-                                        <p:cTn id="18" dur="1" fill="hold">
-                                          <p:stCondLst>
-                                            <p:cond delay="0"/>
-                                          </p:stCondLst>
-                                        </p:cTn>
-                                        <p:tgtEl>
-                                          <p:spTgt spid="4">
-                                            <p:txEl>
-                                              <p:pRg st="9" end="9"/>
-                                            </p:txEl>
-                                          </p:spTgt>
-                                        </p:tgtEl>
-                                        <p:attrNameLst>
-                                          <p:attrName>style.visibility</p:attrName>
-                                        </p:attrNameLst>
-                                      </p:cBhvr>
-                                      <p:to>
-                                        <p:strVal val="visible"/>
-                                      </p:to>
-                                    </p:set>
-                                  </p:childTnLst>
-                                </p:cTn>
-                              </p:par>
-                              <p:par>
-                                <p:cTn id="19" presetID="1" presetClass="entr" presetSubtype="0" fill="hold" nodeType="withEffect">
+                                <p:cTn id="19" presetID="1" presetClass="entr" presetSubtype="0" fill="hold" nodeType="clickEffect">
                                   <p:stCondLst>
                                     <p:cond delay="0"/>
                                   </p:stCondLst>
@@ -9820,7 +10835,7 @@
                                         <p:tgtEl>
                                           <p:spTgt spid="4">
                                             <p:txEl>
-                                              <p:pRg st="10" end="10"/>
+                                              <p:pRg st="7" end="7"/>
                                             </p:txEl>
                                           </p:spTgt>
                                         </p:tgtEl>
@@ -9851,9 +10866,125 @@
                                         <p:tgtEl>
                                           <p:spTgt spid="4">
                                             <p:txEl>
-                                              <p:pRg st="11" end="11"/>
+                                              <p:pRg st="8" end="8"/>
                                             </p:txEl>
                                           </p:spTgt>
+                                        </p:tgtEl>
+                                        <p:attrNameLst>
+                                          <p:attrName>style.visibility</p:attrName>
+                                        </p:attrNameLst>
+                                      </p:cBhvr>
+                                      <p:to>
+                                        <p:strVal val="visible"/>
+                                      </p:to>
+                                    </p:set>
+                                  </p:childTnLst>
+                                </p:cTn>
+                              </p:par>
+                              <p:par>
+                                <p:cTn id="23" presetID="1" presetClass="entr" presetSubtype="0" fill="hold" nodeType="withEffect">
+                                  <p:stCondLst>
+                                    <p:cond delay="0"/>
+                                  </p:stCondLst>
+                                  <p:childTnLst>
+                                    <p:set>
+                                      <p:cBhvr>
+                                        <p:cTn id="24" dur="1" fill="hold">
+                                          <p:stCondLst>
+                                            <p:cond delay="0"/>
+                                          </p:stCondLst>
+                                        </p:cTn>
+                                        <p:tgtEl>
+                                          <p:spTgt spid="4">
+                                            <p:txEl>
+                                              <p:pRg st="9" end="9"/>
+                                            </p:txEl>
+                                          </p:spTgt>
+                                        </p:tgtEl>
+                                        <p:attrNameLst>
+                                          <p:attrName>style.visibility</p:attrName>
+                                        </p:attrNameLst>
+                                      </p:cBhvr>
+                                      <p:to>
+                                        <p:strVal val="visible"/>
+                                      </p:to>
+                                    </p:set>
+                                  </p:childTnLst>
+                                </p:cTn>
+                              </p:par>
+                              <p:par>
+                                <p:cTn id="25" presetID="1" presetClass="entr" presetSubtype="0" fill="hold" nodeType="withEffect">
+                                  <p:stCondLst>
+                                    <p:cond delay="0"/>
+                                  </p:stCondLst>
+                                  <p:childTnLst>
+                                    <p:set>
+                                      <p:cBhvr>
+                                        <p:cTn id="26" dur="1" fill="hold">
+                                          <p:stCondLst>
+                                            <p:cond delay="0"/>
+                                          </p:stCondLst>
+                                        </p:cTn>
+                                        <p:tgtEl>
+                                          <p:spTgt spid="4">
+                                            <p:txEl>
+                                              <p:pRg st="10" end="10"/>
+                                            </p:txEl>
+                                          </p:spTgt>
+                                        </p:tgtEl>
+                                        <p:attrNameLst>
+                                          <p:attrName>style.visibility</p:attrName>
+                                        </p:attrNameLst>
+                                      </p:cBhvr>
+                                      <p:to>
+                                        <p:strVal val="visible"/>
+                                      </p:to>
+                                    </p:set>
+                                  </p:childTnLst>
+                                </p:cTn>
+                              </p:par>
+                              <p:par>
+                                <p:cTn id="27" presetID="1" presetClass="entr" presetSubtype="0" fill="hold" nodeType="withEffect">
+                                  <p:stCondLst>
+                                    <p:cond delay="0"/>
+                                  </p:stCondLst>
+                                  <p:childTnLst>
+                                    <p:set>
+                                      <p:cBhvr>
+                                        <p:cTn id="28" dur="1" fill="hold">
+                                          <p:stCondLst>
+                                            <p:cond delay="0"/>
+                                          </p:stCondLst>
+                                        </p:cTn>
+                                        <p:tgtEl>
+                                          <p:spTgt spid="8"/>
+                                        </p:tgtEl>
+                                        <p:attrNameLst>
+                                          <p:attrName>style.visibility</p:attrName>
+                                        </p:attrNameLst>
+                                      </p:cBhvr>
+                                      <p:to>
+                                        <p:strVal val="visible"/>
+                                      </p:to>
+                                    </p:set>
+                                  </p:childTnLst>
+                                </p:cTn>
+                              </p:par>
+                              <p:par>
+                                <p:cTn id="29" presetID="1" presetClass="entr" presetSubtype="0" fill="hold" nodeType="withEffect">
+                                  <p:stCondLst>
+                                    <p:cond delay="0"/>
+                                  </p:stCondLst>
+                                  <p:childTnLst>
+                                    <p:set>
+                                      <p:cBhvr>
+                                        <p:cTn id="30" dur="1" fill="hold">
+                                          <p:stCondLst>
+                                            <p:cond delay="0"/>
+                                          </p:stCondLst>
+                                        </p:cTn>
+                                        <p:tgtEl>
+                                          <p:spTgt spid="18"/>
                                         </p:tgtEl>
                                         <p:attrNameLst>
                                           <p:attrName>style.visibility</p:attrName>
@@ -14920,6 +16051,17 @@
             </a:pPr>
             <a:r>
               <a:rPr lang="en-US" altLang="en-US" kern="0" dirty="0"/>
+              <a:t>Problem: very specific datasets</a:t>
+            </a:r>
+          </a:p>
+          <a:p>
+            <a:pPr eaLnBrk="1" hangingPunct="1">
+              <a:lnSpc>
+                <a:spcPct val="90000"/>
+              </a:lnSpc>
+            </a:pPr>
+            <a:r>
+              <a:rPr lang="en-US" altLang="en-US" kern="0" dirty="0"/>
               <a:t>TORCS: </a:t>
             </a:r>
             <a:r>
@@ -15020,7 +16162,7 @@
         </p:blipFill>
         <p:spPr>
           <a:xfrm>
-            <a:off x="1043608" y="1772816"/>
+            <a:off x="1097877" y="1971991"/>
             <a:ext cx="7271320" cy="3998100"/>
           </a:xfrm>
           <a:prstGeom prst="rect">
@@ -15056,7 +16198,7 @@
         </p:blipFill>
         <p:spPr>
           <a:xfrm>
-            <a:off x="4876800" y="2708920"/>
+            <a:off x="4881755" y="2727394"/>
             <a:ext cx="3760015" cy="3242697"/>
           </a:xfrm>
           <a:prstGeom prst="rect">
@@ -15470,15 +16612,64 @@
                                   </p:childTnLst>
                                 </p:cTn>
                               </p:par>
+                            </p:childTnLst>
+                          </p:cTn>
+                        </p:par>
+                      </p:childTnLst>
+                    </p:cTn>
+                  </p:par>
+                  <p:par>
+                    <p:cTn id="7" fill="hold">
+                      <p:stCondLst>
+                        <p:cond delay="indefinite"/>
+                      </p:stCondLst>
+                      <p:childTnLst>
+                        <p:par>
+                          <p:cTn id="8" fill="hold">
+                            <p:stCondLst>
+                              <p:cond delay="0"/>
+                            </p:stCondLst>
+                            <p:childTnLst>
                               <p:par>
-                                <p:cTn id="7" presetID="1" presetClass="entr" presetSubtype="0" fill="hold" nodeType="withEffect">
+                                <p:cTn id="9" presetID="1" presetClass="entr" presetSubtype="0" fill="hold" nodeType="clickEffect">
                                   <p:stCondLst>
                                     <p:cond delay="0"/>
                                   </p:stCondLst>
                                   <p:childTnLst>
                                     <p:set>
                                       <p:cBhvr>
-                                        <p:cTn id="8" dur="1" fill="hold">
+                                        <p:cTn id="10" dur="1" fill="hold">
+                                          <p:stCondLst>
+                                            <p:cond delay="0"/>
+                                          </p:stCondLst>
+                                        </p:cTn>
+                                        <p:tgtEl>
+                                          <p:spTgt spid="4">
+                                            <p:txEl>
+                                              <p:pRg st="1" end="1"/>
+                                            </p:txEl>
+                                          </p:spTgt>
+                                        </p:tgtEl>
+                                        <p:attrNameLst>
+                                          <p:attrName>style.visibility</p:attrName>
+                                        </p:attrNameLst>
+                                      </p:cBhvr>
+                                      <p:to>
+                                        <p:strVal val="visible"/>
+                                      </p:to>
+                                    </p:set>
+                                  </p:childTnLst>
+                                </p:cTn>
+                              </p:par>
+                              <p:par>
+                                <p:cTn id="11" presetID="1" presetClass="entr" presetSubtype="0" fill="hold" nodeType="withEffect">
+                                  <p:stCondLst>
+                                    <p:cond delay="0"/>
+                                  </p:stCondLst>
+                                  <p:childTnLst>
+                                    <p:set>
+                                      <p:cBhvr>
+                                        <p:cTn id="12" dur="1" fill="hold">
                                           <p:stCondLst>
                                             <p:cond delay="0"/>
                                           </p:stCondLst>
@@ -15504,77 +16695,19 @@
                     </p:cTn>
                   </p:par>
                   <p:par>
-                    <p:cTn id="9" fill="hold">
+                    <p:cTn id="13" fill="hold">
                       <p:stCondLst>
                         <p:cond delay="indefinite"/>
                       </p:stCondLst>
                       <p:childTnLst>
                         <p:par>
-                          <p:cTn id="10" fill="hold">
+                          <p:cTn id="14" fill="hold">
                             <p:stCondLst>
                               <p:cond delay="0"/>
                             </p:stCondLst>
                             <p:childTnLst>
                               <p:par>
-                                <p:cTn id="11" presetID="1" presetClass="entr" presetSubtype="0" fill="hold" nodeType="clickEffect">
-                                  <p:stCondLst>
-                                    <p:cond delay="0"/>
-                                  </p:stCondLst>
-                                  <p:childTnLst>
-                                    <p:set>
-                                      <p:cBhvr>
-                                        <p:cTn id="12" dur="1" fill="hold">
-                                          <p:stCondLst>
-                                            <p:cond delay="0"/>
-                                          </p:stCondLst>
-                                        </p:cTn>
-                                        <p:tgtEl>
-                                          <p:spTgt spid="4">
-                                            <p:txEl>
-                                              <p:pRg st="1" end="1"/>
-                                            </p:txEl>
-                                          </p:spTgt>
-                                        </p:tgtEl>
-                                        <p:attrNameLst>
-                                          <p:attrName>style.visibility</p:attrName>
-                                        </p:attrNameLst>
-                                      </p:cBhvr>
-                                      <p:to>
-                                        <p:strVal val="visible"/>
-                                      </p:to>
-                                    </p:set>
-                                  </p:childTnLst>
-                                </p:cTn>
-                              </p:par>
-                              <p:par>
-                                <p:cTn id="13" presetID="1" presetClass="exit" presetSubtype="0" fill="hold" nodeType="withEffect">
-                                  <p:stCondLst>
-                                    <p:cond delay="0"/>
-                                  </p:stCondLst>
-                                  <p:childTnLst>
-                                    <p:set>
-                                      <p:cBhvr>
-                                        <p:cTn id="14" dur="1" fill="hold">
-                                          <p:stCondLst>
-                                            <p:cond delay="0"/>
-                                          </p:stCondLst>
-                                        </p:cTn>
-                                        <p:tgtEl>
-                                          <p:spTgt spid="5"/>
-                                        </p:tgtEl>
-                                        <p:attrNameLst>
-                                          <p:attrName>style.visibility</p:attrName>
-                                        </p:attrNameLst>
-                                      </p:cBhvr>
-                                      <p:to>
-                                        <p:strVal val="hidden"/>
-                                      </p:to>
-                                    </p:set>
-                                  </p:childTnLst>
-                                </p:cTn>
-                              </p:par>
-                              <p:par>
-                                <p:cTn id="15" presetID="1" presetClass="entr" presetSubtype="0" fill="hold" nodeType="withEffect">
+                                <p:cTn id="15" presetID="1" presetClass="entr" presetSubtype="0" fill="hold" nodeType="clickEffect">
                                   <p:stCondLst>
                                     <p:cond delay="0"/>
                                   </p:stCondLst>
@@ -15582,33 +16715,6 @@
                                     <p:set>
                                       <p:cBhvr>
                                         <p:cTn id="16" dur="1" fill="hold">
-                                          <p:stCondLst>
-                                            <p:cond delay="0"/>
-                                          </p:stCondLst>
-                                        </p:cTn>
-                                        <p:tgtEl>
-                                          <p:spTgt spid="8"/>
-                                        </p:tgtEl>
-                                        <p:attrNameLst>
-                                          <p:attrName>style.visibility</p:attrName>
-                                        </p:attrNameLst>
-                                      </p:cBhvr>
-                                      <p:to>
-                                        <p:strVal val="visible"/>
-                                      </p:to>
-                                    </p:set>
-                                  </p:childTnLst>
-                                </p:cTn>
-                              </p:par>
-                              <p:par>
-                                <p:cTn id="17" presetID="1" presetClass="entr" presetSubtype="0" fill="hold" nodeType="withEffect">
-                                  <p:stCondLst>
-                                    <p:cond delay="0"/>
-                                  </p:stCondLst>
-                                  <p:childTnLst>
-                                    <p:set>
-                                      <p:cBhvr>
-                                        <p:cTn id="18" dur="1" fill="hold">
                                           <p:stCondLst>
                                             <p:cond delay="0"/>
                                           </p:stCondLst>
@@ -15632,6 +16738,33 @@
                                 </p:cTn>
                               </p:par>
                               <p:par>
+                                <p:cTn id="17" presetID="1" presetClass="exit" presetSubtype="0" fill="hold" nodeType="withEffect">
+                                  <p:stCondLst>
+                                    <p:cond delay="0"/>
+                                  </p:stCondLst>
+                                  <p:childTnLst>
+                                    <p:set>
+                                      <p:cBhvr>
+                                        <p:cTn id="18" dur="1" fill="hold">
+                                          <p:stCondLst>
+                                            <p:cond delay="0"/>
+                                          </p:stCondLst>
+                                        </p:cTn>
+                                        <p:tgtEl>
+                                          <p:spTgt spid="5"/>
+                                        </p:tgtEl>
+                                        <p:attrNameLst>
+                                          <p:attrName>style.visibility</p:attrName>
+                                        </p:attrNameLst>
+                                      </p:cBhvr>
+                                      <p:to>
+                                        <p:strVal val="hidden"/>
+                                      </p:to>
+                                    </p:set>
+                                  </p:childTnLst>
+                                </p:cTn>
+                              </p:par>
+                              <p:par>
                                 <p:cTn id="19" presetID="1" presetClass="entr" presetSubtype="0" fill="hold" nodeType="withEffect">
                                   <p:stCondLst>
                                     <p:cond delay="0"/>
@@ -15640,6 +16773,33 @@
                                     <p:set>
                                       <p:cBhvr>
                                         <p:cTn id="20" dur="1" fill="hold">
+                                          <p:stCondLst>
+                                            <p:cond delay="0"/>
+                                          </p:stCondLst>
+                                        </p:cTn>
+                                        <p:tgtEl>
+                                          <p:spTgt spid="8"/>
+                                        </p:tgtEl>
+                                        <p:attrNameLst>
+                                          <p:attrName>style.visibility</p:attrName>
+                                        </p:attrNameLst>
+                                      </p:cBhvr>
+                                      <p:to>
+                                        <p:strVal val="visible"/>
+                                      </p:to>
+                                    </p:set>
+                                  </p:childTnLst>
+                                </p:cTn>
+                              </p:par>
+                              <p:par>
+                                <p:cTn id="21" presetID="1" presetClass="entr" presetSubtype="0" fill="hold" nodeType="withEffect">
+                                  <p:stCondLst>
+                                    <p:cond delay="0"/>
+                                  </p:stCondLst>
+                                  <p:childTnLst>
+                                    <p:set>
+                                      <p:cBhvr>
+                                        <p:cTn id="22" dur="1" fill="hold">
                                           <p:stCondLst>
                                             <p:cond delay="0"/>
                                           </p:stCondLst>
@@ -15663,42 +16823,10 @@
                                 </p:cTn>
                               </p:par>
                               <p:par>
-                                <p:cTn id="21" presetID="1" presetClass="exit" presetSubtype="0" fill="hold" nodeType="withEffect">
+                                <p:cTn id="23" presetID="1" presetClass="entr" presetSubtype="0" fill="hold" nodeType="withEffect">
                                   <p:stCondLst>
                                     <p:cond delay="0"/>
                                   </p:stCondLst>
-                                  <p:childTnLst>
-                                    <p:set>
-                                      <p:cBhvr>
-                                        <p:cTn id="22" dur="1" fill="hold">
-                                          <p:stCondLst>
-                                            <p:cond delay="0"/>
-                                          </p:stCondLst>
-                                        </p:cTn>
-                                        <p:tgtEl>
-                                          <p:spTgt spid="8"/>
-                                        </p:tgtEl>
-                                        <p:attrNameLst>
-                                          <p:attrName>style.visibility</p:attrName>
-                                        </p:attrNameLst>
-                                      </p:cBhvr>
-                                      <p:to>
-                                        <p:strVal val="hidden"/>
-                                      </p:to>
-                                    </p:set>
-                                  </p:childTnLst>
-                                </p:cTn>
-                              </p:par>
-                              <p:par>
-                                <p:cTn id="23" presetID="1" presetClass="entr" presetSubtype="0" fill="hold" nodeType="withEffect" nodePh="1">
-                                  <p:stCondLst>
-                                    <p:cond delay="0"/>
-                                  </p:stCondLst>
-                                  <p:endCondLst>
-                                    <p:cond evt="begin" delay="0">
-                                      <p:tn val="23"/>
-                                    </p:cond>
-                                  </p:endCondLst>
                                   <p:childTnLst>
                                     <p:set>
                                       <p:cBhvr>
@@ -15708,9 +16836,9 @@
                                           </p:stCondLst>
                                         </p:cTn>
                                         <p:tgtEl>
-                                          <p:spTgt spid="16">
+                                          <p:spTgt spid="4">
                                             <p:txEl>
-                                              <p:pRg st="0" end="0"/>
+                                              <p:pRg st="4" end="4"/>
                                             </p:txEl>
                                           </p:spTgt>
                                         </p:tgtEl>
@@ -15739,6 +16867,42 @@
                                     <p:set>
                                       <p:cBhvr>
                                         <p:cTn id="26" dur="1" fill="hold">
+                                          <p:stCondLst>
+                                            <p:cond delay="0"/>
+                                          </p:stCondLst>
+                                        </p:cTn>
+                                        <p:tgtEl>
+                                          <p:spTgt spid="16">
+                                            <p:txEl>
+                                              <p:pRg st="0" end="0"/>
+                                            </p:txEl>
+                                          </p:spTgt>
+                                        </p:tgtEl>
+                                        <p:attrNameLst>
+                                          <p:attrName>style.visibility</p:attrName>
+                                        </p:attrNameLst>
+                                      </p:cBhvr>
+                                      <p:to>
+                                        <p:strVal val="visible"/>
+                                      </p:to>
+                                    </p:set>
+                                  </p:childTnLst>
+                                </p:cTn>
+                              </p:par>
+                              <p:par>
+                                <p:cTn id="27" presetID="1" presetClass="entr" presetSubtype="0" fill="hold" nodeType="withEffect" nodePh="1">
+                                  <p:stCondLst>
+                                    <p:cond delay="0"/>
+                                  </p:stCondLst>
+                                  <p:endCondLst>
+                                    <p:cond evt="begin" delay="0">
+                                      <p:tn val="27"/>
+                                    </p:cond>
+                                  </p:endCondLst>
+                                  <p:childTnLst>
+                                    <p:set>
+                                      <p:cBhvr>
+                                        <p:cTn id="28" dur="1" fill="hold">
                                           <p:stCondLst>
                                             <p:cond delay="0"/>
                                           </p:stCondLst>
@@ -26848,8 +28012,13 @@
             </a:pPr>
             <a:r>
               <a:rPr lang="en-US" altLang="en-US" kern="0" dirty="0"/>
-              <a:t>not necessarily fully connected</a:t>
+              <a:t>different layers: fully-connected, convolution, pooling, </a:t>
             </a:r>
+            <a:r>
+              <a:rPr lang="en-US" altLang="en-US" kern="0" dirty="0" err="1"/>
+              <a:t>ReLU</a:t>
+            </a:r>
+            <a:endParaRPr lang="en-US" altLang="en-US" kern="0" dirty="0"/>
           </a:p>
           <a:p>
             <a:pPr eaLnBrk="1" hangingPunct="1">
@@ -31360,7 +32529,7 @@
       </p:sp>
       <p:pic>
         <p:nvPicPr>
-          <p:cNvPr id="341" name="Grafik 340" descr="Ein Bild, das Text, Karte enthält.&#10;&#10;Mit sehr hoher Zuverlässigkeit generierte Beschreibung">
+          <p:cNvPr id="341" name="Grafik 340">
             <a:extLst>
               <a:ext uri="{FF2B5EF4-FFF2-40B4-BE49-F238E27FC236}">
                 <a16:creationId xmlns:a16="http://schemas.microsoft.com/office/drawing/2014/main" id="{19334B69-F06C-42FB-8DDE-1D971EE29DAB}"/>
@@ -31373,7 +32542,7 @@
           <p:nvPr/>
         </p:nvPicPr>
         <p:blipFill>
-          <a:blip r:embed="rId2">
+          <a:blip r:embed="rId3">
             <a:extLst>
               <a:ext uri="{28A0092B-C50C-407E-A947-70E740481C1C}">
                 <a14:useLocalDpi xmlns:a14="http://schemas.microsoft.com/office/drawing/2010/main" val="0"/>
@@ -31386,8 +32555,8 @@
         </p:blipFill>
         <p:spPr>
           <a:xfrm>
-            <a:off x="656467" y="3510745"/>
-            <a:ext cx="7831065" cy="2457553"/>
+            <a:off x="701285" y="3160597"/>
+            <a:ext cx="7813436" cy="2744613"/>
           </a:xfrm>
           <a:prstGeom prst="rect">
             <a:avLst/>
@@ -31398,9 +32567,7 @@
             </a:srgbClr>
           </a:solidFill>
           <a:ln w="88900" cap="sq">
-            <a:solidFill>
-              <a:srgbClr val="FFFFFF"/>
-            </a:solidFill>
+            <a:noFill/>
             <a:miter lim="800000"/>
           </a:ln>
           <a:effectLst>
@@ -38180,7 +39347,7 @@
           <p:nvPr/>
         </p:nvPicPr>
         <p:blipFill>
-          <a:blip r:embed="rId2">
+          <a:blip r:embed="rId3">
             <a:extLst>
               <a:ext uri="{28A0092B-C50C-407E-A947-70E740481C1C}">
                 <a14:useLocalDpi xmlns:a14="http://schemas.microsoft.com/office/drawing/2010/main" val="0"/>
@@ -39586,7 +40753,7 @@
           <p:nvPr/>
         </p:nvPicPr>
         <p:blipFill>
-          <a:blip r:embed="rId2"/>
+          <a:blip r:embed="rId3"/>
           <a:stretch>
             <a:fillRect/>
           </a:stretch>
@@ -39651,7 +40818,7 @@
           <p:nvPr/>
         </p:nvPicPr>
         <p:blipFill>
-          <a:blip r:embed="rId3"/>
+          <a:blip r:embed="rId4"/>
           <a:stretch>
             <a:fillRect/>
           </a:stretch>
@@ -39755,7 +40922,7 @@
         <p:spPr>
           <a:xfrm>
             <a:off x="6735919" y="2726495"/>
-            <a:ext cx="1725152" cy="400110"/>
+            <a:ext cx="1795684" cy="400110"/>
           </a:xfrm>
           <a:prstGeom prst="rect">
             <a:avLst/>
@@ -39769,10 +40936,9 @@
           <a:lstStyle/>
           <a:p>
             <a:r>
-              <a:rPr lang="en-US" sz="2000" dirty="0" err="1"/>
-              <a:t>steeringangle</a:t>
+              <a:rPr lang="en-US" sz="2000" dirty="0"/>
+              <a:t>steering angle</a:t>
             </a:r>
-            <a:endParaRPr lang="en-US" sz="2000" dirty="0"/>
           </a:p>
         </p:txBody>
       </p:sp>
